--- a/Presentation/Wei-GA.pptx
+++ b/Presentation/Wei-GA.pptx
@@ -5,11 +5,13 @@
     <p:sldMasterId id="2147483653" r:id="rId1"/>
   </p:sldMasterIdLst>
   <p:notesMasterIdLst>
-    <p:notesMasterId r:id="rId4"/>
+    <p:notesMasterId r:id="rId6"/>
   </p:notesMasterIdLst>
   <p:sldIdLst>
     <p:sldId id="352" r:id="rId2"/>
-    <p:sldId id="325" r:id="rId3"/>
+    <p:sldId id="355" r:id="rId3"/>
+    <p:sldId id="325" r:id="rId4"/>
+    <p:sldId id="353" r:id="rId5"/>
   </p:sldIdLst>
   <p:sldSz cx="9144000" cy="6858000" type="screen4x3"/>
   <p:notesSz cx="6858000" cy="9144000"/>
@@ -1546,7 +1548,77 @@
               </a:spcBef>
               <a:buNone/>
             </a:pPr>
-            <a:endParaRPr/>
+            <a:r>
+              <a:rPr lang="en-US" sz="1200" dirty="0">
+                <a:solidFill>
+                  <a:srgbClr val="18453B"/>
+                </a:solidFill>
+                <a:latin typeface="Montserrat"/>
+                <a:ea typeface="Montserrat"/>
+                <a:cs typeface="Montserrat"/>
+              </a:rPr>
+              <a:t>Ci: In early times, Ci are required to be arranged with music and to be sung, so there are some constrains on the format of Ci</a:t>
+            </a:r>
+          </a:p>
+          <a:p>
+            <a:pPr lvl="0">
+              <a:spcBef>
+                <a:spcPts val="0"/>
+              </a:spcBef>
+              <a:buNone/>
+            </a:pPr>
+            <a:endParaRPr lang="en-US" sz="1200" dirty="0">
+              <a:solidFill>
+                <a:srgbClr val="18453B"/>
+              </a:solidFill>
+              <a:latin typeface="Montserrat"/>
+            </a:endParaRPr>
+          </a:p>
+          <a:p>
+            <a:pPr lvl="0">
+              <a:spcBef>
+                <a:spcPts val="0"/>
+              </a:spcBef>
+              <a:buNone/>
+            </a:pPr>
+            <a:r>
+              <a:rPr lang="en-US" sz="1200" dirty="0" err="1">
+                <a:solidFill>
+                  <a:srgbClr val="18453B"/>
+                </a:solidFill>
+                <a:latin typeface="Montserrat"/>
+              </a:rPr>
+              <a:t>Cipai</a:t>
+            </a:r>
+            <a:r>
+              <a:rPr lang="en-US" sz="1200" dirty="0">
+                <a:solidFill>
+                  <a:srgbClr val="18453B"/>
+                </a:solidFill>
+                <a:latin typeface="Montserrat"/>
+              </a:rPr>
+              <a:t>: </a:t>
+            </a:r>
+            <a:r>
+              <a:rPr lang="en-US" sz="1200" dirty="0">
+                <a:solidFill>
+                  <a:srgbClr val="18453B"/>
+                </a:solidFill>
+                <a:latin typeface="Montserrat"/>
+                <a:ea typeface="Montserrat"/>
+                <a:cs typeface="Montserrat"/>
+              </a:rPr>
+              <a:t>There are around 800 set of patterns, each associated with a particular title. Therefore, it’s common for several ci to share the same title.</a:t>
+            </a:r>
+          </a:p>
+          <a:p>
+            <a:pPr lvl="0">
+              <a:spcBef>
+                <a:spcPts val="0"/>
+              </a:spcBef>
+              <a:buNone/>
+            </a:pPr>
+            <a:endParaRPr dirty="0"/>
           </a:p>
         </p:txBody>
       </p:sp>
@@ -1608,6 +1680,136 @@
 </file>
 
 <file path=ppt/notesSlides/notesSlide2.xml><?xml version="1.0" encoding="utf-8"?>
+<p:notes xmlns:a="http://schemas.openxmlformats.org/drawingml/2006/main" xmlns:r="http://schemas.openxmlformats.org/officeDocument/2006/relationships" xmlns:p="http://schemas.openxmlformats.org/presentationml/2006/main">
+  <p:cSld>
+    <p:spTree>
+      <p:nvGrpSpPr>
+        <p:cNvPr id="1" name=""/>
+        <p:cNvGrpSpPr/>
+        <p:nvPr/>
+      </p:nvGrpSpPr>
+      <p:grpSpPr>
+        <a:xfrm>
+          <a:off x="0" y="0"/>
+          <a:ext cx="0" cy="0"/>
+          <a:chOff x="0" y="0"/>
+          <a:chExt cx="0" cy="0"/>
+        </a:xfrm>
+      </p:grpSpPr>
+      <p:sp>
+        <p:nvSpPr>
+          <p:cNvPr id="2" name="Slide Image Placeholder 1"/>
+          <p:cNvSpPr>
+            <a:spLocks noGrp="1" noRot="1" noChangeAspect="1"/>
+          </p:cNvSpPr>
+          <p:nvPr>
+            <p:ph type="sldImg"/>
+          </p:nvPr>
+        </p:nvSpPr>
+        <p:spPr>
+          <a:xfrm>
+            <a:off x="1371600" y="1143000"/>
+            <a:ext cx="4114800" cy="3086100"/>
+          </a:xfrm>
+        </p:spPr>
+      </p:sp>
+      <p:sp>
+        <p:nvSpPr>
+          <p:cNvPr id="3" name="Notes Placeholder 2"/>
+          <p:cNvSpPr>
+            <a:spLocks noGrp="1"/>
+          </p:cNvSpPr>
+          <p:nvPr>
+            <p:ph type="body" idx="1"/>
+          </p:nvPr>
+        </p:nvSpPr>
+        <p:spPr/>
+        <p:txBody>
+          <a:bodyPr/>
+          <a:lstStyle/>
+          <a:p>
+            <a:r>
+              <a:rPr lang="en-US" altLang="zh-CN" dirty="0" err="1"/>
+              <a:t>Pingze</a:t>
+            </a:r>
+            <a:r>
+              <a:rPr lang="en-US" altLang="zh-CN" dirty="0"/>
+              <a:t> is represent two type of tunes. </a:t>
+            </a:r>
+            <a:endParaRPr lang="en-US" dirty="0"/>
+          </a:p>
+        </p:txBody>
+      </p:sp>
+      <p:sp>
+        <p:nvSpPr>
+          <p:cNvPr id="4" name="Slide Number Placeholder 3"/>
+          <p:cNvSpPr>
+            <a:spLocks noGrp="1"/>
+          </p:cNvSpPr>
+          <p:nvPr>
+            <p:ph type="sldNum" idx="10"/>
+          </p:nvPr>
+        </p:nvSpPr>
+        <p:spPr/>
+        <p:txBody>
+          <a:bodyPr/>
+          <a:lstStyle/>
+          <a:p>
+            <a:pPr marL="0" marR="0" lvl="0" indent="0" algn="r" rtl="0">
+              <a:lnSpc>
+                <a:spcPct val="100000"/>
+              </a:lnSpc>
+              <a:spcBef>
+                <a:spcPts val="0"/>
+              </a:spcBef>
+              <a:spcAft>
+                <a:spcPts val="0"/>
+              </a:spcAft>
+              <a:buClr>
+                <a:schemeClr val="dk1"/>
+              </a:buClr>
+              <a:buSzPct val="25000"/>
+              <a:buFont typeface="Arial"/>
+              <a:buNone/>
+            </a:pPr>
+            <a:fld id="{00000000-1234-1234-1234-123412341234}" type="slidenum">
+              <a:rPr lang="en-US" sz="1200" b="0" i="0" u="none" strike="noStrike" cap="none" smtClean="0">
+                <a:solidFill>
+                  <a:schemeClr val="dk1"/>
+                </a:solidFill>
+                <a:latin typeface="Arial"/>
+                <a:ea typeface="Arial"/>
+                <a:cs typeface="Arial"/>
+                <a:sym typeface="Arial"/>
+              </a:rPr>
+              <a:t>2</a:t>
+            </a:fld>
+            <a:endParaRPr lang="en-US" sz="1200" b="0" i="0" u="none" strike="noStrike" cap="none">
+              <a:solidFill>
+                <a:schemeClr val="dk1"/>
+              </a:solidFill>
+              <a:latin typeface="Arial"/>
+              <a:ea typeface="Arial"/>
+              <a:cs typeface="Arial"/>
+              <a:sym typeface="Arial"/>
+            </a:endParaRPr>
+          </a:p>
+        </p:txBody>
+      </p:sp>
+    </p:spTree>
+    <p:extLst>
+      <p:ext uri="{BB962C8B-B14F-4D97-AF65-F5344CB8AC3E}">
+        <p14:creationId xmlns:p14="http://schemas.microsoft.com/office/powerpoint/2010/main" val="1634653165"/>
+      </p:ext>
+    </p:extLst>
+  </p:cSld>
+  <p:clrMapOvr>
+    <a:masterClrMapping/>
+  </p:clrMapOvr>
+</p:notes>
+</file>
+
+<file path=ppt/notesSlides/notesSlide3.xml><?xml version="1.0" encoding="utf-8"?>
 <p:notes xmlns:a="http://schemas.openxmlformats.org/drawingml/2006/main" xmlns:r="http://schemas.openxmlformats.org/officeDocument/2006/relationships" xmlns:p="http://schemas.openxmlformats.org/presentationml/2006/main">
   <p:cSld>
     <p:spTree>
@@ -1682,7 +1884,7 @@
           <a:p>
             <a:r>
               <a:rPr lang="en-US" dirty="0"/>
-              <a:t>Fitness function: value of objective function. Evaluate the performance of candidate poems.</a:t>
+              <a:t>Fitness function: value of objective function. Evaluate the performance of candidate poems. Consider, principle of syntax, semantic relationship to each other and keywords, rhythm consistency. </a:t>
             </a:r>
           </a:p>
           <a:p>
@@ -1700,18 +1902,26 @@
           <a:p>
             <a:r>
               <a:rPr lang="en-US" dirty="0"/>
-              <a:t>Crossover: randomly exchange part of the sentences </a:t>
-            </a:r>
-            <a:r>
-              <a:rPr lang="en-US"/>
-              <a:t>in poems.</a:t>
+              <a:t>Crossover: randomly exchange part of the sentences in poems.</a:t>
             </a:r>
           </a:p>
           <a:p>
-            <a:endParaRPr lang="en-US" dirty="0"/>
+            <a:r>
+              <a:rPr lang="en-US" altLang="zh-CN" dirty="0"/>
+              <a:t>Form new population, evaluate fitness value, choose best n poems</a:t>
+            </a:r>
           </a:p>
           <a:p>
-            <a:endParaRPr lang="en-US" dirty="0"/>
+            <a:r>
+              <a:rPr lang="en-US" dirty="0"/>
+              <a:t>Stop criteria: over 200 generations or fitness value greater than m.</a:t>
+            </a:r>
+          </a:p>
+          <a:p>
+            <a:r>
+              <a:rPr lang="en-US" dirty="0"/>
+              <a:t>Apply many artificial constrains. </a:t>
+            </a:r>
           </a:p>
           <a:p>
             <a:endParaRPr lang="en-US" dirty="0"/>
@@ -1760,7 +1970,7 @@
                 <a:cs typeface="Arial"/>
                 <a:sym typeface="Arial"/>
               </a:rPr>
-              <a:t>2</a:t>
+              <a:t>3</a:t>
             </a:fld>
             <a:endParaRPr lang="en-US" sz="1200" b="0" i="0" u="none" strike="noStrike" cap="none">
               <a:solidFill>
@@ -7621,8 +7831,8 @@
           <a:p>
             <a:pPr lvl="0"/>
             <a:r>
-              <a:rPr lang="en-US" altLang="zh-CN" dirty="0" err="1"/>
-              <a:t>Songci</a:t>
+              <a:rPr lang="en-US" altLang="zh-CN" dirty="0"/>
+              <a:t>Background	</a:t>
             </a:r>
             <a:endParaRPr lang="en-US" dirty="0"/>
           </a:p>
@@ -7641,7 +7851,7 @@
         <p:spPr>
           <a:xfrm>
             <a:off x="457200" y="2059666"/>
-            <a:ext cx="8229600" cy="4066500"/>
+            <a:ext cx="5237923" cy="4066500"/>
           </a:xfrm>
           <a:prstGeom prst="rect">
             <a:avLst/>
@@ -7654,252 +7864,234 @@
           <a:lstStyle/>
           <a:p>
             <a:pPr marL="457200" lvl="0" indent="-228600">
-              <a:lnSpc>
-                <a:spcPct val="150000"/>
-              </a:lnSpc>
               <a:spcBef>
                 <a:spcPts val="0"/>
               </a:spcBef>
             </a:pPr>
             <a:r>
-              <a:rPr lang="en-US" altLang="zh-CN" b="1" dirty="0">
-                <a:solidFill>
-                  <a:srgbClr val="18453B"/>
+              <a:rPr lang="en-US" b="1" dirty="0">
+                <a:solidFill>
+                  <a:schemeClr val="tx1"/>
                 </a:solidFill>
                 <a:latin typeface="Montserrat"/>
                 <a:ea typeface="Montserrat"/>
                 <a:cs typeface="Montserrat"/>
-                <a:sym typeface="Montserrat"/>
               </a:rPr>
-              <a:t>Motivation</a:t>
+              <a:t>Ci</a:t>
             </a:r>
-            <a:endParaRPr lang="en-US" b="1" dirty="0">
+            <a:r>
+              <a:rPr lang="en-US" dirty="0">
+                <a:solidFill>
+                  <a:schemeClr val="tx1"/>
+                </a:solidFill>
+                <a:latin typeface="Montserrat"/>
+                <a:ea typeface="Montserrat"/>
+                <a:cs typeface="Montserrat"/>
+              </a:rPr>
+              <a:t>(</a:t>
+            </a:r>
+            <a:r>
+              <a:rPr lang="zh-CN" altLang="en-US" dirty="0">
+                <a:solidFill>
+                  <a:schemeClr val="tx1"/>
+                </a:solidFill>
+                <a:latin typeface="Montserrat"/>
+                <a:ea typeface="Montserrat"/>
+                <a:cs typeface="Montserrat"/>
+              </a:rPr>
+              <a:t>词</a:t>
+            </a:r>
+            <a:r>
+              <a:rPr lang="en-US" altLang="zh-CN" dirty="0">
+                <a:solidFill>
+                  <a:schemeClr val="tx1"/>
+                </a:solidFill>
+                <a:latin typeface="Montserrat"/>
+                <a:ea typeface="Montserrat"/>
+                <a:cs typeface="Montserrat"/>
+              </a:rPr>
+              <a:t>): </a:t>
+            </a:r>
+            <a:r>
+              <a:rPr lang="en-US" sz="2400" dirty="0">
+                <a:solidFill>
+                  <a:schemeClr val="tx1"/>
+                </a:solidFill>
+                <a:latin typeface="Montserrat"/>
+                <a:ea typeface="Montserrat"/>
+                <a:cs typeface="Montserrat"/>
+              </a:rPr>
+              <a:t>A poetic form, originally means ‘lyric’.</a:t>
+            </a:r>
+            <a:endParaRPr lang="en-US" sz="2000" dirty="0">
               <a:solidFill>
-                <a:srgbClr val="18453B"/>
+                <a:schemeClr val="tx1"/>
               </a:solidFill>
               <a:latin typeface="Montserrat"/>
               <a:ea typeface="Montserrat"/>
               <a:cs typeface="Montserrat"/>
-              <a:sym typeface="Montserrat"/>
             </a:endParaRPr>
           </a:p>
           <a:p>
-            <a:pPr lvl="1"/>
-            <a:r>
-              <a:rPr lang="en-US" altLang="zh-CN" b="1" dirty="0">
-                <a:solidFill>
-                  <a:srgbClr val="18453B"/>
-                </a:solidFill>
-                <a:latin typeface="Montserrat"/>
-                <a:ea typeface="Montserrat"/>
-                <a:cs typeface="Montserrat"/>
-                <a:sym typeface="Montserrat"/>
-              </a:rPr>
-              <a:t>Market</a:t>
-            </a:r>
-            <a:r>
-              <a:rPr lang="zh-CN" altLang="en-US" b="1" dirty="0">
-                <a:solidFill>
-                  <a:srgbClr val="18453B"/>
-                </a:solidFill>
-                <a:latin typeface="Montserrat"/>
-                <a:ea typeface="Montserrat"/>
-                <a:cs typeface="Montserrat"/>
-                <a:sym typeface="Montserrat"/>
-              </a:rPr>
-              <a:t> </a:t>
-            </a:r>
-            <a:r>
-              <a:rPr lang="en-US" altLang="zh-CN" b="1" dirty="0">
-                <a:solidFill>
-                  <a:srgbClr val="18453B"/>
-                </a:solidFill>
-                <a:latin typeface="Montserrat"/>
-                <a:ea typeface="Montserrat"/>
-                <a:cs typeface="Montserrat"/>
-                <a:sym typeface="Montserrat"/>
-              </a:rPr>
-              <a:t>Targeting</a:t>
-            </a:r>
-            <a:endParaRPr lang="en-US" altLang="zh-CN" dirty="0"/>
-          </a:p>
-          <a:p>
-            <a:pPr lvl="1"/>
-            <a:r>
-              <a:rPr lang="en-US" altLang="zh-CN" b="1" dirty="0">
-                <a:solidFill>
-                  <a:srgbClr val="18453B"/>
-                </a:solidFill>
-                <a:latin typeface="Montserrat"/>
-                <a:ea typeface="Montserrat"/>
-                <a:cs typeface="Montserrat"/>
-                <a:sym typeface="Montserrat"/>
-              </a:rPr>
-              <a:t>Stock</a:t>
-            </a:r>
-            <a:r>
-              <a:rPr lang="zh-CN" altLang="en-US" b="1" dirty="0">
-                <a:solidFill>
-                  <a:srgbClr val="18453B"/>
-                </a:solidFill>
-                <a:latin typeface="Montserrat"/>
-                <a:ea typeface="Montserrat"/>
-                <a:cs typeface="Montserrat"/>
-                <a:sym typeface="Montserrat"/>
-              </a:rPr>
-              <a:t> </a:t>
-            </a:r>
-            <a:r>
-              <a:rPr lang="en-US" altLang="zh-CN" b="1" dirty="0">
-                <a:solidFill>
-                  <a:srgbClr val="18453B"/>
-                </a:solidFill>
-                <a:latin typeface="Montserrat"/>
-                <a:ea typeface="Montserrat"/>
-                <a:cs typeface="Montserrat"/>
-                <a:sym typeface="Montserrat"/>
-              </a:rPr>
-              <a:t>Price</a:t>
-            </a:r>
-            <a:r>
-              <a:rPr lang="zh-CN" altLang="en-US" b="1" dirty="0">
-                <a:solidFill>
-                  <a:srgbClr val="18453B"/>
-                </a:solidFill>
-                <a:latin typeface="Montserrat"/>
-                <a:ea typeface="Montserrat"/>
-                <a:cs typeface="Montserrat"/>
-                <a:sym typeface="Montserrat"/>
-              </a:rPr>
-              <a:t> </a:t>
-            </a:r>
-            <a:r>
-              <a:rPr lang="en-US" altLang="zh-CN" b="1" dirty="0">
-                <a:solidFill>
-                  <a:srgbClr val="18453B"/>
-                </a:solidFill>
-                <a:latin typeface="Montserrat"/>
-                <a:ea typeface="Montserrat"/>
-                <a:cs typeface="Montserrat"/>
-                <a:sym typeface="Montserrat"/>
-              </a:rPr>
-              <a:t>Prediction</a:t>
-            </a:r>
-            <a:r>
-              <a:rPr lang="zh-CN" altLang="en-US" b="1" dirty="0">
-                <a:solidFill>
-                  <a:srgbClr val="18453B"/>
-                </a:solidFill>
-                <a:latin typeface="Montserrat"/>
-                <a:ea typeface="Montserrat"/>
-                <a:cs typeface="Montserrat"/>
-                <a:sym typeface="Montserrat"/>
-              </a:rPr>
-              <a:t> </a:t>
-            </a:r>
-            <a:endParaRPr lang="en-US" altLang="zh-CN" dirty="0"/>
-          </a:p>
-          <a:p>
-            <a:pPr lvl="1"/>
-            <a:r>
-              <a:rPr lang="en-US" altLang="zh-CN" b="1" dirty="0">
-                <a:solidFill>
-                  <a:srgbClr val="18453B"/>
-                </a:solidFill>
-                <a:latin typeface="Montserrat"/>
-                <a:ea typeface="Montserrat"/>
-                <a:cs typeface="Montserrat"/>
-                <a:sym typeface="Montserrat"/>
-              </a:rPr>
-              <a:t>President</a:t>
-            </a:r>
-            <a:r>
-              <a:rPr lang="zh-CN" altLang="en-US" b="1" dirty="0">
-                <a:solidFill>
-                  <a:srgbClr val="18453B"/>
-                </a:solidFill>
-                <a:latin typeface="Montserrat"/>
-                <a:ea typeface="Montserrat"/>
-                <a:cs typeface="Montserrat"/>
-                <a:sym typeface="Montserrat"/>
-              </a:rPr>
-              <a:t> </a:t>
-            </a:r>
-            <a:r>
-              <a:rPr lang="en-US" altLang="zh-CN" b="1" dirty="0">
-                <a:solidFill>
-                  <a:srgbClr val="18453B"/>
-                </a:solidFill>
-                <a:latin typeface="Montserrat"/>
-                <a:ea typeface="Montserrat"/>
-                <a:cs typeface="Montserrat"/>
-                <a:sym typeface="Montserrat"/>
-              </a:rPr>
-              <a:t>Election</a:t>
-            </a:r>
-            <a:r>
-              <a:rPr lang="zh-CN" altLang="en-US" b="1" dirty="0">
-                <a:solidFill>
-                  <a:srgbClr val="18453B"/>
-                </a:solidFill>
-                <a:latin typeface="Montserrat"/>
-                <a:ea typeface="Montserrat"/>
-                <a:cs typeface="Montserrat"/>
-                <a:sym typeface="Montserrat"/>
-              </a:rPr>
-              <a:t> </a:t>
-            </a:r>
-            <a:r>
-              <a:rPr lang="en-US" altLang="zh-CN" b="1" dirty="0">
-                <a:solidFill>
-                  <a:srgbClr val="18453B"/>
-                </a:solidFill>
-                <a:latin typeface="Montserrat"/>
-                <a:ea typeface="Montserrat"/>
-                <a:cs typeface="Montserrat"/>
-                <a:sym typeface="Montserrat"/>
-              </a:rPr>
-              <a:t>Prediction</a:t>
-            </a:r>
-            <a:r>
-              <a:rPr lang="zh-CN" altLang="en-US" b="1" dirty="0">
-                <a:solidFill>
-                  <a:srgbClr val="18453B"/>
-                </a:solidFill>
-                <a:latin typeface="Montserrat"/>
-                <a:ea typeface="Montserrat"/>
-                <a:cs typeface="Montserrat"/>
-                <a:sym typeface="Montserrat"/>
-              </a:rPr>
-              <a:t> </a:t>
-            </a:r>
-            <a:endParaRPr lang="en-US" altLang="zh-CN" b="1" dirty="0">
+            <a:pPr marL="763524" lvl="1" indent="-228600">
+              <a:spcBef>
+                <a:spcPts val="0"/>
+              </a:spcBef>
+            </a:pPr>
+            <a:endParaRPr lang="en-US" sz="1600" dirty="0">
               <a:solidFill>
-                <a:srgbClr val="18453B"/>
+                <a:schemeClr val="tx1"/>
               </a:solidFill>
               <a:latin typeface="Montserrat"/>
               <a:ea typeface="Montserrat"/>
               <a:cs typeface="Montserrat"/>
-              <a:sym typeface="Montserrat"/>
             </a:endParaRPr>
           </a:p>
           <a:p>
-            <a:pPr lvl="1"/>
+            <a:pPr marL="763524" lvl="1" indent="-228600">
+              <a:spcBef>
+                <a:spcPts val="0"/>
+              </a:spcBef>
+            </a:pPr>
             <a:r>
-              <a:rPr lang="mr-IN" altLang="zh-CN" b="1" dirty="0">
-                <a:solidFill>
-                  <a:srgbClr val="18453B"/>
+              <a:rPr lang="en-US" sz="1800" dirty="0">
+                <a:solidFill>
+                  <a:schemeClr val="tx1"/>
                 </a:solidFill>
                 <a:latin typeface="Montserrat"/>
                 <a:ea typeface="Montserrat"/>
                 <a:cs typeface="Montserrat"/>
-                <a:sym typeface="Montserrat"/>
               </a:rPr>
-              <a:t>…</a:t>
+              <a:t>Fixed number of Chinese characters</a:t>
             </a:r>
-            <a:endParaRPr lang="en-US" b="1" dirty="0">
+          </a:p>
+          <a:p>
+            <a:pPr marL="763524" lvl="1" indent="-228600">
+              <a:spcBef>
+                <a:spcPts val="0"/>
+              </a:spcBef>
+            </a:pPr>
+            <a:r>
+              <a:rPr lang="en-US" sz="1800" dirty="0">
+                <a:solidFill>
+                  <a:schemeClr val="tx1"/>
+                </a:solidFill>
+                <a:latin typeface="Montserrat"/>
+                <a:ea typeface="Montserrat"/>
+                <a:cs typeface="Montserrat"/>
+              </a:rPr>
+              <a:t>A rhyme scheme of level and oblique tones</a:t>
+            </a:r>
+          </a:p>
+          <a:p>
+            <a:pPr marL="763524" lvl="1" indent="-228600">
+              <a:spcBef>
+                <a:spcPts val="0"/>
+              </a:spcBef>
+            </a:pPr>
+            <a:r>
+              <a:rPr lang="en-US" sz="1800" dirty="0">
+                <a:solidFill>
+                  <a:schemeClr val="tx1"/>
+                </a:solidFill>
+                <a:latin typeface="Montserrat"/>
+                <a:ea typeface="Montserrat"/>
+                <a:cs typeface="Montserrat"/>
+              </a:rPr>
+              <a:t>In form of “long and short sentences”</a:t>
+            </a:r>
+          </a:p>
+          <a:p>
+            <a:pPr marL="534924" lvl="1" indent="0">
+              <a:spcBef>
+                <a:spcPts val="0"/>
+              </a:spcBef>
+              <a:buNone/>
+            </a:pPr>
+            <a:endParaRPr lang="en-US" sz="1600" dirty="0">
               <a:solidFill>
-                <a:srgbClr val="18453B"/>
+                <a:schemeClr val="tx1"/>
+              </a:solidFill>
+              <a:latin typeface="Montserrat"/>
+              <a:ea typeface="Montserrat"/>
+              <a:cs typeface="Montserrat"/>
+            </a:endParaRPr>
+          </a:p>
+          <a:p>
+            <a:pPr marL="457200" lvl="0" indent="-228600">
+              <a:spcBef>
+                <a:spcPts val="0"/>
+              </a:spcBef>
+            </a:pPr>
+            <a:r>
+              <a:rPr lang="en-US" b="1" dirty="0" err="1">
+                <a:solidFill>
+                  <a:schemeClr val="tx1"/>
+                </a:solidFill>
+                <a:latin typeface="Montserrat"/>
+                <a:ea typeface="Montserrat"/>
+                <a:cs typeface="Montserrat"/>
+              </a:rPr>
+              <a:t>Cipai</a:t>
+            </a:r>
+            <a:r>
+              <a:rPr lang="en-US" dirty="0">
+                <a:solidFill>
+                  <a:schemeClr val="tx1"/>
+                </a:solidFill>
+                <a:latin typeface="Montserrat"/>
+                <a:ea typeface="Montserrat"/>
+                <a:cs typeface="Montserrat"/>
+              </a:rPr>
+              <a:t>(</a:t>
+            </a:r>
+            <a:r>
+              <a:rPr lang="zh-CN" altLang="en-US" dirty="0">
+                <a:solidFill>
+                  <a:schemeClr val="tx1"/>
+                </a:solidFill>
+                <a:latin typeface="Montserrat"/>
+                <a:ea typeface="Montserrat"/>
+                <a:cs typeface="Montserrat"/>
+              </a:rPr>
+              <a:t>词牌</a:t>
+            </a:r>
+            <a:r>
+              <a:rPr lang="en-US" altLang="zh-CN" sz="3200" dirty="0">
+                <a:solidFill>
+                  <a:schemeClr val="tx1"/>
+                </a:solidFill>
+                <a:latin typeface="Montserrat"/>
+                <a:ea typeface="Montserrat"/>
+                <a:cs typeface="Montserrat"/>
+              </a:rPr>
+              <a:t>): </a:t>
+            </a:r>
+            <a:r>
+              <a:rPr lang="en-US" sz="2400" dirty="0" err="1">
+                <a:solidFill>
+                  <a:schemeClr val="tx1"/>
+                </a:solidFill>
+                <a:latin typeface="Montserrat"/>
+                <a:ea typeface="Montserrat"/>
+                <a:cs typeface="Montserrat"/>
+              </a:rPr>
+              <a:t>Cipai</a:t>
+            </a:r>
+            <a:r>
+              <a:rPr lang="en-US" sz="2400" dirty="0">
+                <a:solidFill>
+                  <a:schemeClr val="tx1"/>
+                </a:solidFill>
+                <a:latin typeface="Montserrat"/>
+                <a:ea typeface="Montserrat"/>
+                <a:cs typeface="Montserrat"/>
+              </a:rPr>
+              <a:t> is the title of tune patterns that determined the number of characters in each line and the arrangement of tone. </a:t>
+            </a:r>
+            <a:endParaRPr lang="en-US" dirty="0">
+              <a:solidFill>
+                <a:schemeClr val="tx1"/>
               </a:solidFill>
               <a:latin typeface="Montserrat"/>
               <a:ea typeface="Montserrat"/>
@@ -7952,6 +8144,29 @@
           </a:p>
         </p:txBody>
       </p:sp>
+      <p:pic>
+        <p:nvPicPr>
+          <p:cNvPr id="3" name="Picture 2"/>
+          <p:cNvPicPr>
+            <a:picLocks noChangeAspect="1"/>
+          </p:cNvPicPr>
+          <p:nvPr/>
+        </p:nvPicPr>
+        <p:blipFill rotWithShape="1">
+          <a:blip r:embed="rId3"/>
+          <a:srcRect l="8562" t="5561" r="25828" b="12527"/>
+          <a:stretch/>
+        </p:blipFill>
+        <p:spPr>
+          <a:xfrm>
+            <a:off x="5774636" y="2315817"/>
+            <a:ext cx="3180520" cy="2725392"/>
+          </a:xfrm>
+          <a:prstGeom prst="rect">
+            <a:avLst/>
+          </a:prstGeom>
+        </p:spPr>
+      </p:pic>
     </p:spTree>
     <p:extLst>
       <p:ext uri="{BB962C8B-B14F-4D97-AF65-F5344CB8AC3E}">
@@ -7966,6 +8181,942 @@
 </file>
 
 <file path=ppt/slides/slide2.xml><?xml version="1.0" encoding="utf-8"?>
+<p:sld xmlns:a="http://schemas.openxmlformats.org/drawingml/2006/main" xmlns:r="http://schemas.openxmlformats.org/officeDocument/2006/relationships" xmlns:p="http://schemas.openxmlformats.org/presentationml/2006/main">
+  <p:cSld>
+    <p:spTree>
+      <p:nvGrpSpPr>
+        <p:cNvPr id="1" name=""/>
+        <p:cNvGrpSpPr/>
+        <p:nvPr/>
+      </p:nvGrpSpPr>
+      <p:grpSpPr>
+        <a:xfrm>
+          <a:off x="0" y="0"/>
+          <a:ext cx="0" cy="0"/>
+          <a:chOff x="0" y="0"/>
+          <a:chExt cx="0" cy="0"/>
+        </a:xfrm>
+      </p:grpSpPr>
+      <p:sp>
+        <p:nvSpPr>
+          <p:cNvPr id="6" name="Title 5"/>
+          <p:cNvSpPr>
+            <a:spLocks noGrp="1"/>
+          </p:cNvSpPr>
+          <p:nvPr>
+            <p:ph type="title"/>
+          </p:nvPr>
+        </p:nvSpPr>
+        <p:spPr/>
+        <p:txBody>
+          <a:bodyPr/>
+          <a:lstStyle/>
+          <a:p>
+            <a:r>
+              <a:rPr lang="en-US" dirty="0"/>
+              <a:t>Dataset</a:t>
+            </a:r>
+          </a:p>
+        </p:txBody>
+      </p:sp>
+      <p:sp>
+        <p:nvSpPr>
+          <p:cNvPr id="7" name="Text Placeholder 6"/>
+          <p:cNvSpPr>
+            <a:spLocks noGrp="1"/>
+          </p:cNvSpPr>
+          <p:nvPr>
+            <p:ph type="body" idx="1"/>
+          </p:nvPr>
+        </p:nvSpPr>
+        <p:spPr>
+          <a:xfrm>
+            <a:off x="457200" y="1761297"/>
+            <a:ext cx="8229600" cy="4066493"/>
+          </a:xfrm>
+        </p:spPr>
+        <p:txBody>
+          <a:bodyPr/>
+          <a:lstStyle/>
+          <a:p>
+            <a:pPr indent="-342900" eaLnBrk="0" fontAlgn="base" hangingPunct="0">
+              <a:spcBef>
+                <a:spcPct val="0"/>
+              </a:spcBef>
+              <a:spcAft>
+                <a:spcPct val="0"/>
+              </a:spcAft>
+              <a:buClrTx/>
+              <a:buSzTx/>
+            </a:pPr>
+            <a:r>
+              <a:rPr lang="en-US" altLang="en-US" sz="2000" b="1" dirty="0">
+                <a:solidFill>
+                  <a:schemeClr val="tx1"/>
+                </a:solidFill>
+                <a:latin typeface="Arial" panose="020B0604020202020204" pitchFamily="34" charset="0"/>
+              </a:rPr>
+              <a:t>Dataset</a:t>
+            </a:r>
+            <a:r>
+              <a:rPr lang="en-US" altLang="en-US" sz="2000" dirty="0">
+                <a:solidFill>
+                  <a:schemeClr val="tx1"/>
+                </a:solidFill>
+                <a:latin typeface="Arial" panose="020B0604020202020204" pitchFamily="34" charset="0"/>
+              </a:rPr>
+              <a:t>: </a:t>
+            </a:r>
+            <a:r>
+              <a:rPr lang="en-US" altLang="en-US" sz="1800" dirty="0">
+                <a:solidFill>
+                  <a:schemeClr val="tx1"/>
+                </a:solidFill>
+                <a:latin typeface="Arial" panose="020B0604020202020204" pitchFamily="34" charset="0"/>
+              </a:rPr>
+              <a:t>Quan Song Ci(</a:t>
+            </a:r>
+            <a:r>
+              <a:rPr lang="en-US" altLang="en-US" sz="1800" dirty="0" err="1">
+                <a:solidFill>
+                  <a:schemeClr val="tx1"/>
+                </a:solidFill>
+                <a:latin typeface="Arial" panose="020B0604020202020204" pitchFamily="34" charset="0"/>
+              </a:rPr>
+              <a:t>全宋词</a:t>
+            </a:r>
+            <a:r>
+              <a:rPr lang="en-US" altLang="en-US" sz="1800" dirty="0">
+                <a:solidFill>
+                  <a:schemeClr val="tx1"/>
+                </a:solidFill>
+                <a:latin typeface="Arial" panose="020B0604020202020204" pitchFamily="34" charset="0"/>
+              </a:rPr>
+              <a:t>)</a:t>
+            </a:r>
+          </a:p>
+          <a:p>
+            <a:pPr indent="-342900" eaLnBrk="0" fontAlgn="base" hangingPunct="0">
+              <a:spcBef>
+                <a:spcPct val="0"/>
+              </a:spcBef>
+              <a:spcAft>
+                <a:spcPct val="0"/>
+              </a:spcAft>
+              <a:buClrTx/>
+              <a:buSzTx/>
+            </a:pPr>
+            <a:endParaRPr lang="en-US" altLang="en-US" sz="1800" dirty="0">
+              <a:solidFill>
+                <a:schemeClr val="tx1"/>
+              </a:solidFill>
+              <a:latin typeface="Arial" panose="020B0604020202020204" pitchFamily="34" charset="0"/>
+            </a:endParaRPr>
+          </a:p>
+          <a:p>
+            <a:pPr marL="0" lvl="0" indent="0" eaLnBrk="0" fontAlgn="base" hangingPunct="0">
+              <a:spcBef>
+                <a:spcPct val="0"/>
+              </a:spcBef>
+              <a:spcAft>
+                <a:spcPct val="0"/>
+              </a:spcAft>
+              <a:buClrTx/>
+              <a:buSzTx/>
+              <a:buNone/>
+            </a:pPr>
+            <a:endParaRPr lang="en-US" altLang="en-US" sz="2000" dirty="0">
+              <a:solidFill>
+                <a:schemeClr val="tx1"/>
+              </a:solidFill>
+              <a:latin typeface="Arial" panose="020B0604020202020204" pitchFamily="34" charset="0"/>
+            </a:endParaRPr>
+          </a:p>
+          <a:p>
+            <a:pPr marL="0" lvl="0" indent="0" eaLnBrk="0" fontAlgn="base" hangingPunct="0">
+              <a:spcBef>
+                <a:spcPct val="0"/>
+              </a:spcBef>
+              <a:spcAft>
+                <a:spcPct val="0"/>
+              </a:spcAft>
+              <a:buClrTx/>
+              <a:buSzTx/>
+              <a:buNone/>
+            </a:pPr>
+            <a:br>
+              <a:rPr lang="en-US" altLang="en-US" sz="2000" dirty="0">
+                <a:solidFill>
+                  <a:schemeClr val="tx1"/>
+                </a:solidFill>
+                <a:latin typeface="Arial" panose="020B0604020202020204" pitchFamily="34" charset="0"/>
+              </a:rPr>
+            </a:br>
+            <a:endParaRPr lang="en-US" altLang="en-US" sz="2000" dirty="0">
+              <a:solidFill>
+                <a:schemeClr val="tx1"/>
+              </a:solidFill>
+              <a:latin typeface="Arial" panose="020B0604020202020204" pitchFamily="34" charset="0"/>
+            </a:endParaRPr>
+          </a:p>
+          <a:p>
+            <a:pPr indent="-342900" eaLnBrk="0" fontAlgn="base" hangingPunct="0">
+              <a:spcBef>
+                <a:spcPct val="0"/>
+              </a:spcBef>
+              <a:spcAft>
+                <a:spcPct val="0"/>
+              </a:spcAft>
+              <a:buClrTx/>
+              <a:buSzTx/>
+            </a:pPr>
+            <a:r>
+              <a:rPr lang="en-US" altLang="en-US" sz="2000" b="1" dirty="0">
+                <a:solidFill>
+                  <a:schemeClr val="tx1"/>
+                </a:solidFill>
+                <a:latin typeface="Arial" panose="020B0604020202020204" pitchFamily="34" charset="0"/>
+              </a:rPr>
+              <a:t>Character and Word</a:t>
+            </a:r>
+            <a:r>
+              <a:rPr lang="en-US" altLang="en-US" sz="2000" dirty="0">
+                <a:solidFill>
+                  <a:schemeClr val="tx1"/>
+                </a:solidFill>
+                <a:latin typeface="Arial" panose="020B0604020202020204" pitchFamily="34" charset="0"/>
+              </a:rPr>
+              <a:t>: </a:t>
+            </a:r>
+          </a:p>
+          <a:p>
+            <a:pPr marL="592074" lvl="1" indent="-285750" eaLnBrk="0" fontAlgn="base" hangingPunct="0">
+              <a:spcBef>
+                <a:spcPct val="0"/>
+              </a:spcBef>
+              <a:spcAft>
+                <a:spcPct val="0"/>
+              </a:spcAft>
+              <a:buClrTx/>
+              <a:buSzTx/>
+            </a:pPr>
+            <a:r>
+              <a:rPr lang="en-US" altLang="en-US" sz="1600" dirty="0" err="1">
+                <a:solidFill>
+                  <a:schemeClr val="tx1"/>
+                </a:solidFill>
+                <a:latin typeface="Arial" panose="020B0604020202020204" pitchFamily="34" charset="0"/>
+              </a:rPr>
+              <a:t>Pingze</a:t>
+            </a:r>
+            <a:r>
+              <a:rPr lang="en-US" altLang="en-US" sz="1600" dirty="0">
+                <a:solidFill>
+                  <a:schemeClr val="tx1"/>
+                </a:solidFill>
+                <a:latin typeface="Arial" panose="020B0604020202020204" pitchFamily="34" charset="0"/>
+              </a:rPr>
+              <a:t>(</a:t>
+            </a:r>
+            <a:r>
+              <a:rPr lang="zh-CN" altLang="en-US" sz="1600" dirty="0">
+                <a:solidFill>
+                  <a:schemeClr val="tx1"/>
+                </a:solidFill>
+                <a:latin typeface="Arial" panose="020B0604020202020204" pitchFamily="34" charset="0"/>
+              </a:rPr>
+              <a:t>平仄</a:t>
+            </a:r>
+            <a:r>
+              <a:rPr lang="en-US" altLang="en-US" sz="1600" dirty="0">
+                <a:solidFill>
+                  <a:schemeClr val="tx1"/>
+                </a:solidFill>
+                <a:latin typeface="Arial" panose="020B0604020202020204" pitchFamily="34" charset="0"/>
+              </a:rPr>
+              <a:t>): 1, 2</a:t>
+            </a:r>
+          </a:p>
+          <a:p>
+            <a:pPr marL="592074" lvl="1" indent="-285750" eaLnBrk="0" fontAlgn="base" hangingPunct="0">
+              <a:spcBef>
+                <a:spcPct val="0"/>
+              </a:spcBef>
+              <a:spcAft>
+                <a:spcPct val="0"/>
+              </a:spcAft>
+              <a:buClrTx/>
+              <a:buSzTx/>
+            </a:pPr>
+            <a:r>
+              <a:rPr lang="en-US" altLang="en-US" sz="1600" dirty="0">
+                <a:solidFill>
+                  <a:schemeClr val="tx1"/>
+                </a:solidFill>
+                <a:latin typeface="Arial" panose="020B0604020202020204" pitchFamily="34" charset="0"/>
+              </a:rPr>
+              <a:t>Rhythm: 24 rhythm</a:t>
+            </a:r>
+          </a:p>
+          <a:p>
+            <a:pPr marL="592074" lvl="1" indent="-285750" eaLnBrk="0" fontAlgn="base" hangingPunct="0">
+              <a:spcBef>
+                <a:spcPct val="0"/>
+              </a:spcBef>
+              <a:spcAft>
+                <a:spcPct val="0"/>
+              </a:spcAft>
+              <a:buClrTx/>
+              <a:buSzTx/>
+            </a:pPr>
+            <a:r>
+              <a:rPr lang="en-US" altLang="en-US" sz="1600" dirty="0">
+                <a:solidFill>
+                  <a:schemeClr val="tx1"/>
+                </a:solidFill>
+                <a:latin typeface="Arial" panose="020B0604020202020204" pitchFamily="34" charset="0"/>
+              </a:rPr>
+              <a:t>Correlation: word2vec</a:t>
+            </a:r>
+          </a:p>
+          <a:p>
+            <a:pPr marL="592074" lvl="1" indent="-285750" eaLnBrk="0" fontAlgn="base" hangingPunct="0">
+              <a:spcBef>
+                <a:spcPct val="0"/>
+              </a:spcBef>
+              <a:spcAft>
+                <a:spcPct val="0"/>
+              </a:spcAft>
+              <a:buClrTx/>
+              <a:buSzTx/>
+            </a:pPr>
+            <a:endParaRPr lang="en-US" altLang="en-US" sz="1600" dirty="0">
+              <a:solidFill>
+                <a:schemeClr val="tx1"/>
+              </a:solidFill>
+              <a:latin typeface="Arial" panose="020B0604020202020204" pitchFamily="34" charset="0"/>
+            </a:endParaRPr>
+          </a:p>
+          <a:p>
+            <a:pPr indent="-342900" eaLnBrk="0" fontAlgn="base" hangingPunct="0">
+              <a:spcBef>
+                <a:spcPct val="0"/>
+              </a:spcBef>
+              <a:spcAft>
+                <a:spcPct val="0"/>
+              </a:spcAft>
+              <a:buClrTx/>
+              <a:buSzTx/>
+            </a:pPr>
+            <a:r>
+              <a:rPr lang="en-US" altLang="en-US" sz="2000" b="1" dirty="0" err="1">
+                <a:solidFill>
+                  <a:schemeClr val="tx1"/>
+                </a:solidFill>
+                <a:latin typeface="Arial" panose="020B0604020202020204" pitchFamily="34" charset="0"/>
+              </a:rPr>
+              <a:t>Cipai</a:t>
+            </a:r>
+            <a:r>
+              <a:rPr lang="en-US" altLang="en-US" sz="2000" dirty="0">
+                <a:solidFill>
+                  <a:schemeClr val="tx1"/>
+                </a:solidFill>
+                <a:latin typeface="Arial" panose="020B0604020202020204" pitchFamily="34" charset="0"/>
+              </a:rPr>
+              <a:t>:</a:t>
+            </a:r>
+          </a:p>
+          <a:p>
+            <a:pPr marL="592074" lvl="1" indent="-285750" eaLnBrk="0" fontAlgn="base" hangingPunct="0">
+              <a:spcBef>
+                <a:spcPct val="0"/>
+              </a:spcBef>
+              <a:spcAft>
+                <a:spcPct val="0"/>
+              </a:spcAft>
+              <a:buClrTx/>
+              <a:buSzTx/>
+            </a:pPr>
+            <a:r>
+              <a:rPr lang="en-US" altLang="en-US" sz="1600" dirty="0">
+                <a:solidFill>
+                  <a:schemeClr val="tx1"/>
+                </a:solidFill>
+                <a:latin typeface="Arial" panose="020B0604020202020204" pitchFamily="34" charset="0"/>
+              </a:rPr>
+              <a:t>Sentence Format and </a:t>
+            </a:r>
+            <a:r>
+              <a:rPr lang="en-US" altLang="en-US" sz="1600" dirty="0" err="1">
+                <a:solidFill>
+                  <a:schemeClr val="tx1"/>
+                </a:solidFill>
+                <a:latin typeface="Arial" panose="020B0604020202020204" pitchFamily="34" charset="0"/>
+              </a:rPr>
+              <a:t>Pingze</a:t>
+            </a:r>
+            <a:r>
+              <a:rPr lang="en-US" altLang="en-US" sz="1600" dirty="0">
+                <a:solidFill>
+                  <a:schemeClr val="tx1"/>
+                </a:solidFill>
+                <a:latin typeface="Arial" panose="020B0604020202020204" pitchFamily="34" charset="0"/>
+              </a:rPr>
+              <a:t>: </a:t>
+            </a:r>
+          </a:p>
+          <a:p>
+            <a:pPr marL="854075" lvl="1" indent="0" eaLnBrk="0" fontAlgn="base" hangingPunct="0">
+              <a:spcBef>
+                <a:spcPct val="0"/>
+              </a:spcBef>
+              <a:spcAft>
+                <a:spcPct val="0"/>
+              </a:spcAft>
+              <a:buClrTx/>
+              <a:buSzTx/>
+              <a:buNone/>
+            </a:pPr>
+            <a:r>
+              <a:rPr lang="en-US" altLang="en-US" sz="1600" dirty="0" err="1">
+                <a:solidFill>
+                  <a:schemeClr val="tx1"/>
+                </a:solidFill>
+                <a:latin typeface="Arial" panose="020B0604020202020204" pitchFamily="34" charset="0"/>
+              </a:rPr>
+              <a:t>Huanxisha</a:t>
+            </a:r>
+            <a:r>
+              <a:rPr lang="en-US" altLang="en-US" sz="1600" dirty="0">
+                <a:solidFill>
+                  <a:schemeClr val="tx1"/>
+                </a:solidFill>
+                <a:latin typeface="Arial" panose="020B0604020202020204" pitchFamily="34" charset="0"/>
+              </a:rPr>
+              <a:t>(</a:t>
+            </a:r>
+            <a:r>
+              <a:rPr lang="en-US" altLang="en-US" sz="1600" dirty="0" err="1">
+                <a:solidFill>
+                  <a:schemeClr val="tx1"/>
+                </a:solidFill>
+                <a:latin typeface="Arial" panose="020B0604020202020204" pitchFamily="34" charset="0"/>
+              </a:rPr>
+              <a:t>浣溪沙</a:t>
+            </a:r>
+            <a:r>
+              <a:rPr lang="en-US" altLang="en-US" sz="1600" dirty="0">
+                <a:solidFill>
+                  <a:schemeClr val="tx1"/>
+                </a:solidFill>
+                <a:latin typeface="Arial" panose="020B0604020202020204" pitchFamily="34" charset="0"/>
+              </a:rPr>
+              <a:t>): ['0201021', '0102211', '0102211', '0201122', '0102211', '0102211']</a:t>
+            </a:r>
+          </a:p>
+          <a:p>
+            <a:pPr marL="592074" lvl="1" indent="-285750" eaLnBrk="0" fontAlgn="base" hangingPunct="0">
+              <a:spcBef>
+                <a:spcPct val="0"/>
+              </a:spcBef>
+              <a:spcAft>
+                <a:spcPct val="0"/>
+              </a:spcAft>
+              <a:buClrTx/>
+              <a:buSzTx/>
+            </a:pPr>
+            <a:r>
+              <a:rPr lang="en-US" altLang="en-US" sz="1600" dirty="0">
+                <a:solidFill>
+                  <a:schemeClr val="tx1"/>
+                </a:solidFill>
+                <a:latin typeface="Arial" panose="020B0604020202020204" pitchFamily="34" charset="0"/>
+              </a:rPr>
+              <a:t>Delimiter Format:</a:t>
+            </a:r>
+          </a:p>
+          <a:p>
+            <a:pPr marL="306324" lvl="1" indent="0" eaLnBrk="0" fontAlgn="base" hangingPunct="0">
+              <a:spcBef>
+                <a:spcPct val="0"/>
+              </a:spcBef>
+              <a:spcAft>
+                <a:spcPct val="0"/>
+              </a:spcAft>
+              <a:buClrTx/>
+              <a:buSzTx/>
+              <a:buNone/>
+            </a:pPr>
+            <a:r>
+              <a:rPr lang="en-US" altLang="en-US" sz="1600" dirty="0">
+                <a:solidFill>
+                  <a:schemeClr val="tx1"/>
+                </a:solidFill>
+                <a:latin typeface="Arial" panose="020B0604020202020204" pitchFamily="34" charset="0"/>
+              </a:rPr>
+              <a:t>	</a:t>
+            </a:r>
+            <a:r>
+              <a:rPr lang="en-US" altLang="en-US" sz="1600" dirty="0" err="1">
+                <a:solidFill>
+                  <a:schemeClr val="tx1"/>
+                </a:solidFill>
+                <a:latin typeface="Arial" panose="020B0604020202020204" pitchFamily="34" charset="0"/>
+              </a:rPr>
+              <a:t>Huanxisha</a:t>
+            </a:r>
+            <a:r>
+              <a:rPr lang="en-US" altLang="en-US" sz="1600" dirty="0">
+                <a:solidFill>
+                  <a:schemeClr val="tx1"/>
+                </a:solidFill>
+                <a:latin typeface="Arial" panose="020B0604020202020204" pitchFamily="34" charset="0"/>
+              </a:rPr>
+              <a:t>(</a:t>
+            </a:r>
+            <a:r>
+              <a:rPr lang="en-US" altLang="en-US" sz="1600" dirty="0" err="1">
+                <a:solidFill>
+                  <a:schemeClr val="tx1"/>
+                </a:solidFill>
+                <a:latin typeface="Arial" panose="020B0604020202020204" pitchFamily="34" charset="0"/>
+              </a:rPr>
+              <a:t>浣溪沙</a:t>
+            </a:r>
+            <a:r>
+              <a:rPr lang="en-US" altLang="en-US" sz="1600" dirty="0">
+                <a:solidFill>
+                  <a:schemeClr val="tx1"/>
+                </a:solidFill>
+                <a:latin typeface="Arial" panose="020B0604020202020204" pitchFamily="34" charset="0"/>
+              </a:rPr>
+              <a:t>): [ </a:t>
+            </a:r>
+            <a:r>
+              <a:rPr lang="zh-CN" altLang="en-US" sz="1600" dirty="0">
+                <a:solidFill>
+                  <a:schemeClr val="tx1"/>
+                </a:solidFill>
+                <a:latin typeface="Arial" panose="020B0604020202020204" pitchFamily="34" charset="0"/>
+              </a:rPr>
+              <a:t>， 。 。</a:t>
+            </a:r>
+            <a:r>
+              <a:rPr lang="en-US" altLang="en-US" sz="1600" dirty="0">
+                <a:solidFill>
+                  <a:schemeClr val="tx1"/>
+                </a:solidFill>
+                <a:latin typeface="Arial" panose="020B0604020202020204" pitchFamily="34" charset="0"/>
+              </a:rPr>
+              <a:t>| </a:t>
+            </a:r>
+            <a:r>
+              <a:rPr lang="zh-CN" altLang="en-US" sz="1600" dirty="0">
+                <a:solidFill>
+                  <a:schemeClr val="tx1"/>
+                </a:solidFill>
+                <a:latin typeface="Arial" panose="020B0604020202020204" pitchFamily="34" charset="0"/>
+              </a:rPr>
+              <a:t>， 。 。</a:t>
+            </a:r>
+            <a:r>
+              <a:rPr lang="en-US" altLang="zh-CN" sz="1600" dirty="0">
+                <a:solidFill>
+                  <a:schemeClr val="tx1"/>
+                </a:solidFill>
+                <a:latin typeface="Arial" panose="020B0604020202020204" pitchFamily="34" charset="0"/>
+              </a:rPr>
+              <a:t>]</a:t>
+            </a:r>
+            <a:endParaRPr lang="en-US" altLang="en-US" sz="1600" dirty="0">
+              <a:solidFill>
+                <a:schemeClr val="tx1"/>
+              </a:solidFill>
+              <a:latin typeface="Arial" panose="020B0604020202020204" pitchFamily="34" charset="0"/>
+            </a:endParaRPr>
+          </a:p>
+        </p:txBody>
+      </p:sp>
+      <p:sp>
+        <p:nvSpPr>
+          <p:cNvPr id="4" name="Slide Number Placeholder 3"/>
+          <p:cNvSpPr>
+            <a:spLocks noGrp="1"/>
+          </p:cNvSpPr>
+          <p:nvPr>
+            <p:ph type="sldNum" idx="12"/>
+          </p:nvPr>
+        </p:nvSpPr>
+        <p:spPr/>
+        <p:txBody>
+          <a:bodyPr/>
+          <a:lstStyle/>
+          <a:p>
+            <a:pPr marL="0" marR="0" lvl="0" indent="0" algn="r" rtl="0">
+              <a:lnSpc>
+                <a:spcPct val="100000"/>
+              </a:lnSpc>
+              <a:spcBef>
+                <a:spcPts val="0"/>
+              </a:spcBef>
+              <a:spcAft>
+                <a:spcPts val="0"/>
+              </a:spcAft>
+              <a:buClr>
+                <a:srgbClr val="595959"/>
+              </a:buClr>
+              <a:buSzPct val="25000"/>
+              <a:buFont typeface="Arial"/>
+              <a:buNone/>
+            </a:pPr>
+            <a:fld id="{00000000-1234-1234-1234-123412341234}" type="slidenum">
+              <a:rPr lang="en-US" sz="1200" b="0" i="0" u="none" strike="noStrike" cap="none" smtClean="0">
+                <a:solidFill>
+                  <a:srgbClr val="595959"/>
+                </a:solidFill>
+                <a:latin typeface="Arial"/>
+                <a:ea typeface="Arial"/>
+                <a:cs typeface="Arial"/>
+                <a:sym typeface="Arial"/>
+              </a:rPr>
+              <a:t>2</a:t>
+            </a:fld>
+            <a:endParaRPr lang="en-US" sz="1200" b="0" i="0" u="none" strike="noStrike" cap="none">
+              <a:solidFill>
+                <a:srgbClr val="595959"/>
+              </a:solidFill>
+              <a:latin typeface="Arial"/>
+              <a:ea typeface="Arial"/>
+              <a:cs typeface="Arial"/>
+              <a:sym typeface="Arial"/>
+            </a:endParaRPr>
+          </a:p>
+        </p:txBody>
+      </p:sp>
+      <p:graphicFrame>
+        <p:nvGraphicFramePr>
+          <p:cNvPr id="8" name="Table 7"/>
+          <p:cNvGraphicFramePr>
+            <a:graphicFrameLocks noGrp="1"/>
+          </p:cNvGraphicFramePr>
+          <p:nvPr>
+            <p:extLst>
+              <p:ext uri="{D42A27DB-BD31-4B8C-83A1-F6EECF244321}">
+                <p14:modId xmlns:p14="http://schemas.microsoft.com/office/powerpoint/2010/main" val="3172408009"/>
+              </p:ext>
+            </p:extLst>
+          </p:nvPr>
+        </p:nvGraphicFramePr>
+        <p:xfrm>
+          <a:off x="904260" y="2374439"/>
+          <a:ext cx="7335480" cy="692248"/>
+        </p:xfrm>
+        <a:graphic>
+          <a:graphicData uri="http://schemas.openxmlformats.org/drawingml/2006/table">
+            <a:tbl>
+              <a:tblPr>
+                <a:tableStyleId>{9D7B26C5-4107-4FEC-AEDC-1716B250A1EF}</a:tableStyleId>
+              </a:tblPr>
+              <a:tblGrid>
+                <a:gridCol w="1467096">
+                  <a:extLst>
+                    <a:ext uri="{9D8B030D-6E8A-4147-A177-3AD203B41FA5}">
+                      <a16:colId xmlns:a16="http://schemas.microsoft.com/office/drawing/2014/main" val="3968528018"/>
+                    </a:ext>
+                  </a:extLst>
+                </a:gridCol>
+                <a:gridCol w="1467096">
+                  <a:extLst>
+                    <a:ext uri="{9D8B030D-6E8A-4147-A177-3AD203B41FA5}">
+                      <a16:colId xmlns:a16="http://schemas.microsoft.com/office/drawing/2014/main" val="4051269416"/>
+                    </a:ext>
+                  </a:extLst>
+                </a:gridCol>
+                <a:gridCol w="1467096">
+                  <a:extLst>
+                    <a:ext uri="{9D8B030D-6E8A-4147-A177-3AD203B41FA5}">
+                      <a16:colId xmlns:a16="http://schemas.microsoft.com/office/drawing/2014/main" val="2425722785"/>
+                    </a:ext>
+                  </a:extLst>
+                </a:gridCol>
+                <a:gridCol w="1467096">
+                  <a:extLst>
+                    <a:ext uri="{9D8B030D-6E8A-4147-A177-3AD203B41FA5}">
+                      <a16:colId xmlns:a16="http://schemas.microsoft.com/office/drawing/2014/main" val="3557478591"/>
+                    </a:ext>
+                  </a:extLst>
+                </a:gridCol>
+                <a:gridCol w="1467096">
+                  <a:extLst>
+                    <a:ext uri="{9D8B030D-6E8A-4147-A177-3AD203B41FA5}">
+                      <a16:colId xmlns:a16="http://schemas.microsoft.com/office/drawing/2014/main" val="170161008"/>
+                    </a:ext>
+                  </a:extLst>
+                </a:gridCol>
+              </a:tblGrid>
+              <a:tr h="471268">
+                <a:tc>
+                  <a:txBody>
+                    <a:bodyPr/>
+                    <a:lstStyle/>
+                    <a:p>
+                      <a:pPr algn="ctr" fontAlgn="b"/>
+                      <a:r>
+                        <a:rPr lang="en-US" sz="1400" u="none" strike="noStrike" dirty="0" err="1">
+                          <a:effectLst/>
+                        </a:rPr>
+                        <a:t>Poet_Num</a:t>
+                      </a:r>
+                      <a:endParaRPr lang="en-US" sz="1400" b="0" i="0" u="none" strike="noStrike" dirty="0">
+                        <a:solidFill>
+                          <a:srgbClr val="000000"/>
+                        </a:solidFill>
+                        <a:effectLst/>
+                        <a:latin typeface="Calibri" panose="020F0502020204030204" pitchFamily="34" charset="0"/>
+                      </a:endParaRPr>
+                    </a:p>
+                  </a:txBody>
+                  <a:tcPr marL="7620" marR="7620" marT="7620" marB="0" anchor="ctr"/>
+                </a:tc>
+                <a:tc>
+                  <a:txBody>
+                    <a:bodyPr/>
+                    <a:lstStyle/>
+                    <a:p>
+                      <a:pPr algn="ctr" fontAlgn="b"/>
+                      <a:r>
+                        <a:rPr lang="en-US" sz="1400" u="none" strike="noStrike" dirty="0" err="1">
+                          <a:effectLst/>
+                        </a:rPr>
+                        <a:t>Poem_Num</a:t>
+                      </a:r>
+                      <a:endParaRPr lang="en-US" sz="1400" b="0" i="0" u="none" strike="noStrike" dirty="0">
+                        <a:solidFill>
+                          <a:srgbClr val="000000"/>
+                        </a:solidFill>
+                        <a:effectLst/>
+                        <a:latin typeface="Calibri" panose="020F0502020204030204" pitchFamily="34" charset="0"/>
+                      </a:endParaRPr>
+                    </a:p>
+                  </a:txBody>
+                  <a:tcPr marL="7620" marR="7620" marT="7620" marB="0" anchor="ctr"/>
+                </a:tc>
+                <a:tc>
+                  <a:txBody>
+                    <a:bodyPr/>
+                    <a:lstStyle/>
+                    <a:p>
+                      <a:pPr algn="ctr" fontAlgn="b"/>
+                      <a:r>
+                        <a:rPr lang="en-US" sz="1400" u="none" strike="noStrike">
+                          <a:effectLst/>
+                        </a:rPr>
+                        <a:t>Cipai_Num</a:t>
+                      </a:r>
+                      <a:endParaRPr lang="en-US" sz="1400" b="0" i="0" u="none" strike="noStrike">
+                        <a:solidFill>
+                          <a:srgbClr val="000000"/>
+                        </a:solidFill>
+                        <a:effectLst/>
+                        <a:latin typeface="Calibri" panose="020F0502020204030204" pitchFamily="34" charset="0"/>
+                      </a:endParaRPr>
+                    </a:p>
+                  </a:txBody>
+                  <a:tcPr marL="7620" marR="7620" marT="7620" marB="0" anchor="ctr"/>
+                </a:tc>
+                <a:tc>
+                  <a:txBody>
+                    <a:bodyPr/>
+                    <a:lstStyle/>
+                    <a:p>
+                      <a:pPr algn="ctr" fontAlgn="b"/>
+                      <a:r>
+                        <a:rPr lang="en-US" sz="1400" u="none" strike="noStrike">
+                          <a:effectLst/>
+                        </a:rPr>
+                        <a:t>Sentences_Num</a:t>
+                      </a:r>
+                      <a:endParaRPr lang="en-US" sz="1400" b="0" i="0" u="none" strike="noStrike">
+                        <a:solidFill>
+                          <a:srgbClr val="000000"/>
+                        </a:solidFill>
+                        <a:effectLst/>
+                        <a:latin typeface="Calibri" panose="020F0502020204030204" pitchFamily="34" charset="0"/>
+                      </a:endParaRPr>
+                    </a:p>
+                  </a:txBody>
+                  <a:tcPr marL="7620" marR="7620" marT="7620" marB="0" anchor="ctr"/>
+                </a:tc>
+                <a:tc>
+                  <a:txBody>
+                    <a:bodyPr/>
+                    <a:lstStyle/>
+                    <a:p>
+                      <a:pPr algn="ctr" fontAlgn="b"/>
+                      <a:r>
+                        <a:rPr lang="en-US" sz="1400" u="none" strike="noStrike">
+                          <a:effectLst/>
+                        </a:rPr>
+                        <a:t>Ave_Sentence_Length</a:t>
+                      </a:r>
+                      <a:endParaRPr lang="en-US" sz="1400" b="0" i="0" u="none" strike="noStrike">
+                        <a:solidFill>
+                          <a:srgbClr val="000000"/>
+                        </a:solidFill>
+                        <a:effectLst/>
+                        <a:latin typeface="Calibri" panose="020F0502020204030204" pitchFamily="34" charset="0"/>
+                      </a:endParaRPr>
+                    </a:p>
+                  </a:txBody>
+                  <a:tcPr marL="7620" marR="7620" marT="7620" marB="0" anchor="ctr"/>
+                </a:tc>
+                <a:extLst>
+                  <a:ext uri="{0D108BD9-81ED-4DB2-BD59-A6C34878D82A}">
+                    <a16:rowId xmlns:a16="http://schemas.microsoft.com/office/drawing/2014/main" val="3018530476"/>
+                  </a:ext>
+                </a:extLst>
+              </a:tr>
+              <a:tr h="168812">
+                <a:tc>
+                  <a:txBody>
+                    <a:bodyPr/>
+                    <a:lstStyle/>
+                    <a:p>
+                      <a:pPr algn="ctr" fontAlgn="b"/>
+                      <a:r>
+                        <a:rPr lang="en-US" sz="1400" u="none" strike="noStrike" dirty="0">
+                          <a:effectLst/>
+                        </a:rPr>
+                        <a:t>1346</a:t>
+                      </a:r>
+                      <a:endParaRPr lang="en-US" sz="1400" b="0" i="0" u="none" strike="noStrike" dirty="0">
+                        <a:solidFill>
+                          <a:srgbClr val="000000"/>
+                        </a:solidFill>
+                        <a:effectLst/>
+                        <a:latin typeface="Calibri" panose="020F0502020204030204" pitchFamily="34" charset="0"/>
+                      </a:endParaRPr>
+                    </a:p>
+                  </a:txBody>
+                  <a:tcPr marL="7620" marR="7620" marT="7620" marB="0" anchor="ctr"/>
+                </a:tc>
+                <a:tc>
+                  <a:txBody>
+                    <a:bodyPr/>
+                    <a:lstStyle/>
+                    <a:p>
+                      <a:pPr algn="ctr" fontAlgn="b"/>
+                      <a:r>
+                        <a:rPr lang="en-US" sz="1400" u="none" strike="noStrike" dirty="0">
+                          <a:effectLst/>
+                        </a:rPr>
+                        <a:t>18986</a:t>
+                      </a:r>
+                      <a:endParaRPr lang="en-US" sz="1400" b="0" i="0" u="none" strike="noStrike" dirty="0">
+                        <a:solidFill>
+                          <a:srgbClr val="000000"/>
+                        </a:solidFill>
+                        <a:effectLst/>
+                        <a:latin typeface="Calibri" panose="020F0502020204030204" pitchFamily="34" charset="0"/>
+                      </a:endParaRPr>
+                    </a:p>
+                  </a:txBody>
+                  <a:tcPr marL="7620" marR="7620" marT="7620" marB="0" anchor="ctr"/>
+                </a:tc>
+                <a:tc>
+                  <a:txBody>
+                    <a:bodyPr/>
+                    <a:lstStyle/>
+                    <a:p>
+                      <a:pPr algn="ctr" fontAlgn="b"/>
+                      <a:r>
+                        <a:rPr lang="en-US" sz="1400" u="none" strike="noStrike" dirty="0">
+                          <a:effectLst/>
+                        </a:rPr>
+                        <a:t>929</a:t>
+                      </a:r>
+                      <a:endParaRPr lang="en-US" sz="1400" b="0" i="0" u="none" strike="noStrike" dirty="0">
+                        <a:solidFill>
+                          <a:srgbClr val="000000"/>
+                        </a:solidFill>
+                        <a:effectLst/>
+                        <a:latin typeface="Calibri" panose="020F0502020204030204" pitchFamily="34" charset="0"/>
+                      </a:endParaRPr>
+                    </a:p>
+                  </a:txBody>
+                  <a:tcPr marL="7620" marR="7620" marT="7620" marB="0" anchor="ctr"/>
+                </a:tc>
+                <a:tc>
+                  <a:txBody>
+                    <a:bodyPr/>
+                    <a:lstStyle/>
+                    <a:p>
+                      <a:pPr algn="ctr" fontAlgn="b"/>
+                      <a:r>
+                        <a:rPr lang="en-US" sz="1400" u="none" strike="noStrike">
+                          <a:effectLst/>
+                        </a:rPr>
+                        <a:t>268341</a:t>
+                      </a:r>
+                      <a:endParaRPr lang="en-US" sz="1400" b="0" i="0" u="none" strike="noStrike">
+                        <a:solidFill>
+                          <a:srgbClr val="000000"/>
+                        </a:solidFill>
+                        <a:effectLst/>
+                        <a:latin typeface="Calibri" panose="020F0502020204030204" pitchFamily="34" charset="0"/>
+                      </a:endParaRPr>
+                    </a:p>
+                  </a:txBody>
+                  <a:tcPr marL="7620" marR="7620" marT="7620" marB="0" anchor="ctr"/>
+                </a:tc>
+                <a:tc>
+                  <a:txBody>
+                    <a:bodyPr/>
+                    <a:lstStyle/>
+                    <a:p>
+                      <a:pPr algn="ctr" fontAlgn="b"/>
+                      <a:r>
+                        <a:rPr lang="en-US" sz="1400" u="none" strike="noStrike" dirty="0">
+                          <a:effectLst/>
+                        </a:rPr>
+                        <a:t>4.88</a:t>
+                      </a:r>
+                      <a:endParaRPr lang="en-US" sz="1400" b="0" i="0" u="none" strike="noStrike" dirty="0">
+                        <a:solidFill>
+                          <a:srgbClr val="000000"/>
+                        </a:solidFill>
+                        <a:effectLst/>
+                        <a:latin typeface="Calibri" panose="020F0502020204030204" pitchFamily="34" charset="0"/>
+                      </a:endParaRPr>
+                    </a:p>
+                  </a:txBody>
+                  <a:tcPr marL="7620" marR="7620" marT="7620" marB="0" anchor="ctr"/>
+                </a:tc>
+                <a:extLst>
+                  <a:ext uri="{0D108BD9-81ED-4DB2-BD59-A6C34878D82A}">
+                    <a16:rowId xmlns:a16="http://schemas.microsoft.com/office/drawing/2014/main" val="1837156829"/>
+                  </a:ext>
+                </a:extLst>
+              </a:tr>
+            </a:tbl>
+          </a:graphicData>
+        </a:graphic>
+      </p:graphicFrame>
+    </p:spTree>
+    <p:extLst>
+      <p:ext uri="{BB962C8B-B14F-4D97-AF65-F5344CB8AC3E}">
+        <p14:creationId xmlns:p14="http://schemas.microsoft.com/office/powerpoint/2010/main" val="970081931"/>
+      </p:ext>
+    </p:extLst>
+  </p:cSld>
+  <p:clrMapOvr>
+    <a:masterClrMapping/>
+  </p:clrMapOvr>
+</p:sld>
+</file>
+
+<file path=ppt/slides/slide3.xml><?xml version="1.0" encoding="utf-8"?>
 <p:sld xmlns:a="http://schemas.openxmlformats.org/drawingml/2006/main" xmlns:r="http://schemas.openxmlformats.org/officeDocument/2006/relationships" xmlns:p="http://schemas.openxmlformats.org/presentationml/2006/main">
   <p:cSld>
     <p:spTree>
@@ -8046,7 +9197,7 @@
                 <a:cs typeface="Arial"/>
                 <a:sym typeface="Arial"/>
               </a:rPr>
-              <a:t>2</a:t>
+              <a:t>3</a:t>
             </a:fld>
             <a:endParaRPr lang="en-US" sz="1200" b="0" i="0" u="none" strike="noStrike" cap="none">
               <a:solidFill>
@@ -8088,6 +9239,293 @@
     <p:extLst>
       <p:ext uri="{BB962C8B-B14F-4D97-AF65-F5344CB8AC3E}">
         <p14:creationId xmlns:p14="http://schemas.microsoft.com/office/powerpoint/2010/main" val="1434488527"/>
+      </p:ext>
+    </p:extLst>
+  </p:cSld>
+  <p:clrMapOvr>
+    <a:masterClrMapping/>
+  </p:clrMapOvr>
+</p:sld>
+</file>
+
+<file path=ppt/slides/slide4.xml><?xml version="1.0" encoding="utf-8"?>
+<p:sld xmlns:a="http://schemas.openxmlformats.org/drawingml/2006/main" xmlns:r="http://schemas.openxmlformats.org/officeDocument/2006/relationships" xmlns:p="http://schemas.openxmlformats.org/presentationml/2006/main">
+  <p:cSld>
+    <p:spTree>
+      <p:nvGrpSpPr>
+        <p:cNvPr id="1" name=""/>
+        <p:cNvGrpSpPr/>
+        <p:nvPr/>
+      </p:nvGrpSpPr>
+      <p:grpSpPr>
+        <a:xfrm>
+          <a:off x="0" y="0"/>
+          <a:ext cx="0" cy="0"/>
+          <a:chOff x="0" y="0"/>
+          <a:chExt cx="0" cy="0"/>
+        </a:xfrm>
+      </p:grpSpPr>
+      <p:sp>
+        <p:nvSpPr>
+          <p:cNvPr id="6" name="Title 5"/>
+          <p:cNvSpPr>
+            <a:spLocks noGrp="1"/>
+          </p:cNvSpPr>
+          <p:nvPr>
+            <p:ph type="title"/>
+          </p:nvPr>
+        </p:nvSpPr>
+        <p:spPr/>
+        <p:txBody>
+          <a:bodyPr/>
+          <a:lstStyle/>
+          <a:p>
+            <a:r>
+              <a:rPr lang="en-US" altLang="zh-CN" dirty="0"/>
+              <a:t>Result	</a:t>
+            </a:r>
+            <a:endParaRPr lang="en-US" dirty="0"/>
+          </a:p>
+        </p:txBody>
+      </p:sp>
+      <p:sp>
+        <p:nvSpPr>
+          <p:cNvPr id="7" name="Text Placeholder 6"/>
+          <p:cNvSpPr>
+            <a:spLocks noGrp="1"/>
+          </p:cNvSpPr>
+          <p:nvPr>
+            <p:ph type="body" idx="1"/>
+          </p:nvPr>
+        </p:nvSpPr>
+        <p:spPr/>
+        <p:txBody>
+          <a:bodyPr/>
+          <a:lstStyle/>
+          <a:p>
+            <a:pPr marL="0" indent="457200"/>
+            <a:r>
+              <a:rPr lang="en-US" sz="2000" dirty="0">
+                <a:solidFill>
+                  <a:schemeClr val="tx1"/>
+                </a:solidFill>
+              </a:rPr>
+              <a:t>Genetic Algorithm: </a:t>
+            </a:r>
+            <a:r>
+              <a:rPr lang="en-US" sz="2000" dirty="0" err="1">
+                <a:solidFill>
+                  <a:schemeClr val="tx1"/>
+                </a:solidFill>
+              </a:rPr>
+              <a:t>Huanxisha</a:t>
+            </a:r>
+            <a:r>
+              <a:rPr lang="en-US" sz="2000" dirty="0">
+                <a:solidFill>
+                  <a:schemeClr val="tx1"/>
+                </a:solidFill>
+              </a:rPr>
+              <a:t>(</a:t>
+            </a:r>
+            <a:r>
+              <a:rPr lang="zh-CN" altLang="en-US" sz="2000" dirty="0">
+                <a:solidFill>
+                  <a:schemeClr val="tx1"/>
+                </a:solidFill>
+              </a:rPr>
+              <a:t>浣溪沙</a:t>
+            </a:r>
+            <a:r>
+              <a:rPr lang="en-US" sz="2000" dirty="0">
+                <a:solidFill>
+                  <a:schemeClr val="tx1"/>
+                </a:solidFill>
+              </a:rPr>
+              <a:t>)</a:t>
+            </a:r>
+          </a:p>
+          <a:p>
+            <a:pPr marL="457200" indent="0">
+              <a:buNone/>
+            </a:pPr>
+            <a:r>
+              <a:rPr lang="zh-CN" altLang="en-US" sz="1400" dirty="0">
+                <a:solidFill>
+                  <a:schemeClr val="tx1"/>
+                </a:solidFill>
+              </a:rPr>
+              <a:t>别来已是二十年</a:t>
+            </a:r>
+            <a:r>
+              <a:rPr lang="en-US" altLang="zh-CN" sz="1400" dirty="0">
+                <a:solidFill>
+                  <a:schemeClr val="tx1"/>
+                </a:solidFill>
+              </a:rPr>
+              <a:t>,</a:t>
+            </a:r>
+            <a:r>
+              <a:rPr lang="zh-CN" altLang="en-US" sz="1400" dirty="0">
+                <a:solidFill>
+                  <a:schemeClr val="tx1"/>
+                </a:solidFill>
+              </a:rPr>
+              <a:t>寒轻离别岸呜咽</a:t>
+            </a:r>
+            <a:r>
+              <a:rPr lang="en-US" altLang="zh-CN" sz="1400" dirty="0">
+                <a:solidFill>
+                  <a:schemeClr val="tx1"/>
+                </a:solidFill>
+              </a:rPr>
+              <a:t>.</a:t>
+            </a:r>
+            <a:r>
+              <a:rPr lang="zh-CN" altLang="en-US" sz="1400" dirty="0">
+                <a:solidFill>
+                  <a:schemeClr val="tx1"/>
+                </a:solidFill>
+              </a:rPr>
+              <a:t>阳春归路转千年</a:t>
+            </a:r>
+            <a:r>
+              <a:rPr lang="en-US" altLang="zh-CN" sz="1400" dirty="0">
+                <a:solidFill>
+                  <a:schemeClr val="tx1"/>
+                </a:solidFill>
+              </a:rPr>
+              <a:t>. </a:t>
+            </a:r>
+          </a:p>
+          <a:p>
+            <a:pPr marL="457200" indent="0">
+              <a:buNone/>
+            </a:pPr>
+            <a:r>
+              <a:rPr lang="zh-CN" altLang="en-US" sz="1400" dirty="0">
+                <a:solidFill>
+                  <a:schemeClr val="tx1"/>
+                </a:solidFill>
+              </a:rPr>
+              <a:t>借问春寒梅旧否</a:t>
+            </a:r>
+            <a:r>
+              <a:rPr lang="en-US" altLang="zh-CN" sz="1400" dirty="0">
+                <a:solidFill>
+                  <a:schemeClr val="tx1"/>
+                </a:solidFill>
+              </a:rPr>
+              <a:t>,</a:t>
+            </a:r>
+            <a:r>
+              <a:rPr lang="zh-CN" altLang="en-US" sz="1400" dirty="0">
+                <a:solidFill>
+                  <a:schemeClr val="tx1"/>
+                </a:solidFill>
+              </a:rPr>
+              <a:t>夜来去后雨轻扇</a:t>
+            </a:r>
+            <a:r>
+              <a:rPr lang="en-US" altLang="zh-CN" sz="1400" dirty="0">
+                <a:solidFill>
+                  <a:schemeClr val="tx1"/>
+                </a:solidFill>
+              </a:rPr>
+              <a:t>.</a:t>
+            </a:r>
+            <a:r>
+              <a:rPr lang="zh-CN" altLang="en-US" sz="1400" dirty="0">
+                <a:solidFill>
+                  <a:schemeClr val="tx1"/>
+                </a:solidFill>
+              </a:rPr>
+              <a:t>佳人含笑立尊前</a:t>
+            </a:r>
+            <a:r>
+              <a:rPr lang="en-US" altLang="zh-CN" sz="1400" dirty="0">
+                <a:solidFill>
+                  <a:schemeClr val="tx1"/>
+                </a:solidFill>
+              </a:rPr>
+              <a:t>.</a:t>
+            </a:r>
+          </a:p>
+          <a:p>
+            <a:pPr marL="457200" indent="0">
+              <a:buNone/>
+            </a:pPr>
+            <a:r>
+              <a:rPr lang="en-US" sz="1400" dirty="0">
+                <a:solidFill>
+                  <a:schemeClr val="tx1"/>
+                </a:solidFill>
+              </a:rPr>
+              <a:t>It’s been twenty years since I left. At that moment, the river cried. Now it’s spring, and I don’t know when can I go back. It’s still cold, I asked whether plum blossom like before. Rain comes without a sound during night. My loved one stand in front of me with smell. </a:t>
+            </a:r>
+          </a:p>
+        </p:txBody>
+      </p:sp>
+      <p:sp>
+        <p:nvSpPr>
+          <p:cNvPr id="4" name="Slide Number Placeholder 3"/>
+          <p:cNvSpPr>
+            <a:spLocks noGrp="1"/>
+          </p:cNvSpPr>
+          <p:nvPr>
+            <p:ph type="sldNum" idx="12"/>
+          </p:nvPr>
+        </p:nvSpPr>
+        <p:spPr/>
+        <p:txBody>
+          <a:bodyPr/>
+          <a:lstStyle/>
+          <a:p>
+            <a:pPr marL="0" marR="0" lvl="0" indent="0" algn="r" rtl="0">
+              <a:lnSpc>
+                <a:spcPct val="100000"/>
+              </a:lnSpc>
+              <a:spcBef>
+                <a:spcPts val="0"/>
+              </a:spcBef>
+              <a:spcAft>
+                <a:spcPts val="0"/>
+              </a:spcAft>
+              <a:buClr>
+                <a:srgbClr val="595959"/>
+              </a:buClr>
+              <a:buSzPct val="25000"/>
+              <a:buFont typeface="Arial"/>
+              <a:buNone/>
+            </a:pPr>
+            <a:fld id="{00000000-1234-1234-1234-123412341234}" type="slidenum">
+              <a:rPr lang="en-US" sz="1200" b="0" i="0" u="none" strike="noStrike" cap="none" smtClean="0">
+                <a:solidFill>
+                  <a:srgbClr val="595959"/>
+                </a:solidFill>
+                <a:latin typeface="Arial"/>
+                <a:ea typeface="Arial"/>
+                <a:cs typeface="Arial"/>
+                <a:sym typeface="Arial"/>
+              </a:rPr>
+              <a:t>4</a:t>
+            </a:fld>
+            <a:endParaRPr lang="en-US" sz="1200" b="0" i="0" u="none" strike="noStrike" cap="none">
+              <a:solidFill>
+                <a:srgbClr val="595959"/>
+              </a:solidFill>
+              <a:latin typeface="Arial"/>
+              <a:ea typeface="Arial"/>
+              <a:cs typeface="Arial"/>
+              <a:sym typeface="Arial"/>
+            </a:endParaRPr>
+          </a:p>
+        </p:txBody>
+      </p:sp>
+    </p:spTree>
+    <p:extLst>
+      <p:ext uri="{BB962C8B-B14F-4D97-AF65-F5344CB8AC3E}">
+        <p14:creationId xmlns:p14="http://schemas.microsoft.com/office/powerpoint/2010/main" val="4187860690"/>
       </p:ext>
     </p:extLst>
   </p:cSld>

--- a/Presentation/Wei-GA.pptx
+++ b/Presentation/Wei-GA.pptx
@@ -6698,14 +6698,9 @@
   <p:cSld>
     <p:bg>
       <p:bgPr>
-        <a:blipFill rotWithShape="1">
-          <a:blip r:embed="rId6">
-            <a:alphaModFix/>
-          </a:blip>
-          <a:stretch>
-            <a:fillRect/>
-          </a:stretch>
-        </a:blipFill>
+        <a:solidFill>
+          <a:schemeClr val="bg1"/>
+        </a:solidFill>
         <a:effectLst/>
       </p:bgPr>
     </p:bg>
@@ -7314,7 +7309,7 @@
           <p:nvPr/>
         </p:nvPicPr>
         <p:blipFill rotWithShape="1">
-          <a:blip r:embed="rId7">
+          <a:blip r:embed="rId6">
             <a:alphaModFix/>
           </a:blip>
           <a:srcRect/>
@@ -9235,6 +9230,85 @@
           </a:prstGeom>
         </p:spPr>
       </p:pic>
+      <p:sp>
+        <p:nvSpPr>
+          <p:cNvPr id="3" name="Rectangle 2"/>
+          <p:cNvSpPr/>
+          <p:nvPr/>
+        </p:nvSpPr>
+        <p:spPr>
+          <a:xfrm>
+            <a:off x="457200" y="6177183"/>
+            <a:ext cx="8686801" cy="276999"/>
+          </a:xfrm>
+          <a:prstGeom prst="rect">
+            <a:avLst/>
+          </a:prstGeom>
+        </p:spPr>
+        <p:txBody>
+          <a:bodyPr wrap="square">
+            <a:spAutoFit/>
+          </a:bodyPr>
+          <a:lstStyle/>
+          <a:p>
+            <a:r>
+              <a:rPr lang="en-US" altLang="zh-CN" sz="1200" dirty="0" err="1">
+                <a:solidFill>
+                  <a:srgbClr val="222222"/>
+                </a:solidFill>
+                <a:latin typeface="Arial" panose="020B0604020202020204" pitchFamily="34" charset="0"/>
+              </a:rPr>
+              <a:t>Changle</a:t>
+            </a:r>
+            <a:r>
+              <a:rPr lang="en-US" altLang="zh-CN" sz="1200" dirty="0">
+                <a:solidFill>
+                  <a:srgbClr val="222222"/>
+                </a:solidFill>
+                <a:latin typeface="Arial" panose="020B0604020202020204" pitchFamily="34" charset="0"/>
+              </a:rPr>
+              <a:t> Zhou, Wei You, </a:t>
+            </a:r>
+            <a:r>
+              <a:rPr lang="en-US" altLang="zh-CN" sz="1200" dirty="0" err="1">
+                <a:solidFill>
+                  <a:srgbClr val="222222"/>
+                </a:solidFill>
+                <a:latin typeface="Arial" panose="020B0604020202020204" pitchFamily="34" charset="0"/>
+              </a:rPr>
+              <a:t>Xiaojun</a:t>
+            </a:r>
+            <a:r>
+              <a:rPr lang="en-US" altLang="zh-CN" sz="1200" dirty="0">
+                <a:solidFill>
+                  <a:srgbClr val="222222"/>
+                </a:solidFill>
+                <a:latin typeface="Arial" panose="020B0604020202020204" pitchFamily="34" charset="0"/>
+              </a:rPr>
+              <a:t> Ding. “Genetic Algorithm and Implementation of Automatically </a:t>
+            </a:r>
+            <a:r>
+              <a:rPr lang="en-US" altLang="zh-CN" sz="1200" dirty="0" err="1">
+                <a:solidFill>
+                  <a:srgbClr val="222222"/>
+                </a:solidFill>
+                <a:latin typeface="Arial" panose="020B0604020202020204" pitchFamily="34" charset="0"/>
+              </a:rPr>
+              <a:t>Songci</a:t>
+            </a:r>
+            <a:r>
+              <a:rPr lang="en-US" altLang="zh-CN" sz="1200" dirty="0">
+                <a:solidFill>
+                  <a:srgbClr val="222222"/>
+                </a:solidFill>
+                <a:latin typeface="Arial" panose="020B0604020202020204" pitchFamily="34" charset="0"/>
+              </a:rPr>
+              <a:t> Generation. (2010)”</a:t>
+            </a:r>
+            <a:endParaRPr lang="en-US" sz="1200" dirty="0"/>
+          </a:p>
+        </p:txBody>
+      </p:sp>
     </p:spTree>
     <p:extLst>
       <p:ext uri="{BB962C8B-B14F-4D97-AF65-F5344CB8AC3E}">
